--- a/ArchiMate_Cookbook.pptx
+++ b/ArchiMate_Cookbook.pptx
@@ -5111,6 +5111,42 @@
           </a:effectLst>
         </p:spPr>
       </p:pic>
+      <p:pic>
+        <p:nvPicPr>
+          <p:cNvPr id="6" name="Picture 5">
+            <a:extLst>
+              <a:ext uri="{FF2B5EF4-FFF2-40B4-BE49-F238E27FC236}">
+                <a16:creationId xmlns:a16="http://schemas.microsoft.com/office/drawing/2014/main" id="{5D49245E-E835-D58C-7561-534291308D25}"/>
+              </a:ext>
+            </a:extLst>
+          </p:cNvPr>
+          <p:cNvPicPr>
+            <a:picLocks noChangeAspect="1"/>
+          </p:cNvPicPr>
+          <p:nvPr/>
+        </p:nvPicPr>
+        <p:blipFill>
+          <a:blip r:embed="rId4"/>
+          <a:stretch>
+            <a:fillRect/>
+          </a:stretch>
+        </p:blipFill>
+        <p:spPr>
+          <a:xfrm>
+            <a:off x="6557149" y="1552575"/>
+            <a:ext cx="3658994" cy="2000250"/>
+          </a:xfrm>
+          <a:prstGeom prst="rect">
+            <a:avLst/>
+          </a:prstGeom>
+          <a:ln>
+            <a:noFill/>
+          </a:ln>
+          <a:effectLst>
+            <a:softEdge rad="112500"/>
+          </a:effectLst>
+        </p:spPr>
+      </p:pic>
     </p:spTree>
     <p:extLst>
       <p:ext uri="{BB962C8B-B14F-4D97-AF65-F5344CB8AC3E}">
@@ -5455,6 +5491,53 @@
                 <a:latin typeface="Amasis MT Pro Black" panose="02040A04050005020304" pitchFamily="18" charset="0"/>
               </a:rPr>
               <a:t>ArchiMetal</a:t>
+            </a:r>
+          </a:p>
+        </p:txBody>
+      </p:sp>
+      <p:sp>
+        <p:nvSpPr>
+          <p:cNvPr id="12" name="Explosion: 8 Points 11">
+            <a:extLst>
+              <a:ext uri="{FF2B5EF4-FFF2-40B4-BE49-F238E27FC236}">
+                <a16:creationId xmlns:a16="http://schemas.microsoft.com/office/drawing/2014/main" id="{514183BC-CAAB-E4EC-85BE-22073ACB39A7}"/>
+              </a:ext>
+            </a:extLst>
+          </p:cNvPr>
+          <p:cNvSpPr/>
+          <p:nvPr/>
+        </p:nvSpPr>
+        <p:spPr>
+          <a:xfrm>
+            <a:off x="1981200" y="4199215"/>
+            <a:ext cx="1676400" cy="1776414"/>
+          </a:xfrm>
+          <a:prstGeom prst="irregularSeal1">
+            <a:avLst/>
+          </a:prstGeom>
+        </p:spPr>
+        <p:style>
+          <a:lnRef idx="0">
+            <a:schemeClr val="accent1"/>
+          </a:lnRef>
+          <a:fillRef idx="3">
+            <a:schemeClr val="accent1"/>
+          </a:fillRef>
+          <a:effectRef idx="3">
+            <a:schemeClr val="accent1"/>
+          </a:effectRef>
+          <a:fontRef idx="minor">
+            <a:schemeClr val="lt1"/>
+          </a:fontRef>
+        </p:style>
+        <p:txBody>
+          <a:bodyPr rtlCol="0" anchor="ctr"/>
+          <a:lstStyle/>
+          <a:p>
+            <a:pPr algn="ctr"/>
+            <a:r>
+              <a:rPr lang="en-US" sz="2400" b="1" dirty="0"/>
+              <a:t>NEW</a:t>
             </a:r>
           </a:p>
         </p:txBody>
